--- a/процентовка 1/схемы.pptx
+++ b/процентовка 1/схемы.pptx
@@ -8,6 +8,7 @@
     <p:sldId id="256" r:id="rId2"/>
     <p:sldId id="257" r:id="rId3"/>
     <p:sldId id="258" r:id="rId4"/>
+    <p:sldId id="259" r:id="rId5"/>
   </p:sldIdLst>
   <p:sldSz cx="12192000" cy="6858000"/>
   <p:notesSz cx="6858000" cy="9144000"/>
@@ -106,6 +107,11 @@
       </a:defRPr>
     </a:lvl9pPr>
   </p:defaultTextStyle>
+  <p:extLst>
+    <p:ext uri="{EFAFB233-063F-42B5-8137-9DF3F51BA10A}">
+      <p15:sldGuideLst xmlns:p15="http://schemas.microsoft.com/office/powerpoint/2012/main"/>
+    </p:ext>
+  </p:extLst>
 </p:presentation>
 </file>
 
@@ -240,7 +246,7 @@
           <a:p>
             <a:fld id="{925D05A6-F90F-4F92-A959-9B9C4AF8A648}" type="datetimeFigureOut">
               <a:rPr lang="ru-RU" smtClean="0"/>
-              <a:t>23.04.2023</a:t>
+              <a:t>27.05.2023</a:t>
             </a:fld>
             <a:endParaRPr lang="ru-RU"/>
           </a:p>
@@ -410,7 +416,7 @@
           <a:p>
             <a:fld id="{925D05A6-F90F-4F92-A959-9B9C4AF8A648}" type="datetimeFigureOut">
               <a:rPr lang="ru-RU" smtClean="0"/>
-              <a:t>23.04.2023</a:t>
+              <a:t>27.05.2023</a:t>
             </a:fld>
             <a:endParaRPr lang="ru-RU"/>
           </a:p>
@@ -590,7 +596,7 @@
           <a:p>
             <a:fld id="{925D05A6-F90F-4F92-A959-9B9C4AF8A648}" type="datetimeFigureOut">
               <a:rPr lang="ru-RU" smtClean="0"/>
-              <a:t>23.04.2023</a:t>
+              <a:t>27.05.2023</a:t>
             </a:fld>
             <a:endParaRPr lang="ru-RU"/>
           </a:p>
@@ -760,7 +766,7 @@
           <a:p>
             <a:fld id="{925D05A6-F90F-4F92-A959-9B9C4AF8A648}" type="datetimeFigureOut">
               <a:rPr lang="ru-RU" smtClean="0"/>
-              <a:t>23.04.2023</a:t>
+              <a:t>27.05.2023</a:t>
             </a:fld>
             <a:endParaRPr lang="ru-RU"/>
           </a:p>
@@ -1006,7 +1012,7 @@
           <a:p>
             <a:fld id="{925D05A6-F90F-4F92-A959-9B9C4AF8A648}" type="datetimeFigureOut">
               <a:rPr lang="ru-RU" smtClean="0"/>
-              <a:t>23.04.2023</a:t>
+              <a:t>27.05.2023</a:t>
             </a:fld>
             <a:endParaRPr lang="ru-RU"/>
           </a:p>
@@ -1238,7 +1244,7 @@
           <a:p>
             <a:fld id="{925D05A6-F90F-4F92-A959-9B9C4AF8A648}" type="datetimeFigureOut">
               <a:rPr lang="ru-RU" smtClean="0"/>
-              <a:t>23.04.2023</a:t>
+              <a:t>27.05.2023</a:t>
             </a:fld>
             <a:endParaRPr lang="ru-RU"/>
           </a:p>
@@ -1605,7 +1611,7 @@
           <a:p>
             <a:fld id="{925D05A6-F90F-4F92-A959-9B9C4AF8A648}" type="datetimeFigureOut">
               <a:rPr lang="ru-RU" smtClean="0"/>
-              <a:t>23.04.2023</a:t>
+              <a:t>27.05.2023</a:t>
             </a:fld>
             <a:endParaRPr lang="ru-RU"/>
           </a:p>
@@ -1723,7 +1729,7 @@
           <a:p>
             <a:fld id="{925D05A6-F90F-4F92-A959-9B9C4AF8A648}" type="datetimeFigureOut">
               <a:rPr lang="ru-RU" smtClean="0"/>
-              <a:t>23.04.2023</a:t>
+              <a:t>27.05.2023</a:t>
             </a:fld>
             <a:endParaRPr lang="ru-RU"/>
           </a:p>
@@ -1818,7 +1824,7 @@
           <a:p>
             <a:fld id="{925D05A6-F90F-4F92-A959-9B9C4AF8A648}" type="datetimeFigureOut">
               <a:rPr lang="ru-RU" smtClean="0"/>
-              <a:t>23.04.2023</a:t>
+              <a:t>27.05.2023</a:t>
             </a:fld>
             <a:endParaRPr lang="ru-RU"/>
           </a:p>
@@ -2095,7 +2101,7 @@
           <a:p>
             <a:fld id="{925D05A6-F90F-4F92-A959-9B9C4AF8A648}" type="datetimeFigureOut">
               <a:rPr lang="ru-RU" smtClean="0"/>
-              <a:t>23.04.2023</a:t>
+              <a:t>27.05.2023</a:t>
             </a:fld>
             <a:endParaRPr lang="ru-RU"/>
           </a:p>
@@ -2348,7 +2354,7 @@
           <a:p>
             <a:fld id="{925D05A6-F90F-4F92-A959-9B9C4AF8A648}" type="datetimeFigureOut">
               <a:rPr lang="ru-RU" smtClean="0"/>
-              <a:t>23.04.2023</a:t>
+              <a:t>27.05.2023</a:t>
             </a:fld>
             <a:endParaRPr lang="ru-RU"/>
           </a:p>
@@ -2561,7 +2567,7 @@
           <a:p>
             <a:fld id="{925D05A6-F90F-4F92-A959-9B9C4AF8A648}" type="datetimeFigureOut">
               <a:rPr lang="ru-RU" smtClean="0"/>
-              <a:t>23.04.2023</a:t>
+              <a:t>27.05.2023</a:t>
             </a:fld>
             <a:endParaRPr lang="ru-RU"/>
           </a:p>
@@ -4500,6 +4506,453 @@
 </p:sld>
 </file>
 
+<file path=ppt/slides/slide4.xml><?xml version="1.0" encoding="utf-8"?>
+<p:sld xmlns:a="http://schemas.openxmlformats.org/drawingml/2006/main" xmlns:r="http://schemas.openxmlformats.org/officeDocument/2006/relationships" xmlns:p="http://schemas.openxmlformats.org/presentationml/2006/main">
+  <p:cSld>
+    <p:spTree>
+      <p:nvGrpSpPr>
+        <p:cNvPr id="1" name=""/>
+        <p:cNvGrpSpPr/>
+        <p:nvPr/>
+      </p:nvGrpSpPr>
+      <p:grpSpPr>
+        <a:xfrm>
+          <a:off x="0" y="0"/>
+          <a:ext cx="0" cy="0"/>
+          <a:chOff x="0" y="0"/>
+          <a:chExt cx="0" cy="0"/>
+        </a:xfrm>
+      </p:grpSpPr>
+      <p:sp>
+        <p:nvSpPr>
+          <p:cNvPr id="4" name="Скругленный прямоугольник 3"/>
+          <p:cNvSpPr/>
+          <p:nvPr/>
+        </p:nvSpPr>
+        <p:spPr>
+          <a:xfrm>
+            <a:off x="4494770" y="456812"/>
+            <a:ext cx="3391930" cy="1328351"/>
+          </a:xfrm>
+          <a:prstGeom prst="roundRect">
+            <a:avLst/>
+          </a:prstGeom>
+          <a:solidFill>
+            <a:schemeClr val="accent6">
+              <a:lumMod val="40000"/>
+              <a:lumOff val="60000"/>
+            </a:schemeClr>
+          </a:solidFill>
+        </p:spPr>
+        <p:style>
+          <a:lnRef idx="2">
+            <a:schemeClr val="accent1">
+              <a:shade val="50000"/>
+            </a:schemeClr>
+          </a:lnRef>
+          <a:fillRef idx="1">
+            <a:schemeClr val="accent1"/>
+          </a:fillRef>
+          <a:effectRef idx="0">
+            <a:schemeClr val="accent1"/>
+          </a:effectRef>
+          <a:fontRef idx="minor">
+            <a:schemeClr val="lt1"/>
+          </a:fontRef>
+        </p:style>
+        <p:txBody>
+          <a:bodyPr rtlCol="0" anchor="ctr"/>
+          <a:lstStyle/>
+          <a:p>
+            <a:pPr algn="ctr"/>
+            <a:r>
+              <a:rPr lang="ru-RU" sz="2400" dirty="0" smtClean="0">
+                <a:solidFill>
+                  <a:schemeClr val="tx1"/>
+                </a:solidFill>
+                <a:latin typeface="Times New Roman" panose="02020603050405020304" pitchFamily="18" charset="0"/>
+                <a:cs typeface="Times New Roman" panose="02020603050405020304" pitchFamily="18" charset="0"/>
+              </a:rPr>
+              <a:t>Сегментация</a:t>
+            </a:r>
+          </a:p>
+          <a:p>
+            <a:pPr algn="ctr"/>
+            <a:r>
+              <a:rPr lang="ru-RU" sz="2400" dirty="0">
+                <a:solidFill>
+                  <a:schemeClr val="tx1"/>
+                </a:solidFill>
+                <a:latin typeface="Times New Roman" panose="02020603050405020304" pitchFamily="18" charset="0"/>
+                <a:cs typeface="Times New Roman" panose="02020603050405020304" pitchFamily="18" charset="0"/>
+              </a:rPr>
+              <a:t>ф</a:t>
+            </a:r>
+            <a:r>
+              <a:rPr lang="ru-RU" sz="2400" dirty="0" smtClean="0">
+                <a:solidFill>
+                  <a:schemeClr val="tx1"/>
+                </a:solidFill>
+                <a:latin typeface="Times New Roman" panose="02020603050405020304" pitchFamily="18" charset="0"/>
+                <a:cs typeface="Times New Roman" panose="02020603050405020304" pitchFamily="18" charset="0"/>
+              </a:rPr>
+              <a:t>акела </a:t>
+            </a:r>
+            <a:r>
+              <a:rPr lang="ru-RU" sz="2400" dirty="0" smtClean="0">
+                <a:solidFill>
+                  <a:schemeClr val="tx1"/>
+                </a:solidFill>
+                <a:latin typeface="Times New Roman" panose="02020603050405020304" pitchFamily="18" charset="0"/>
+                <a:cs typeface="Times New Roman" panose="02020603050405020304" pitchFamily="18" charset="0"/>
+              </a:rPr>
+              <a:t>выбросов</a:t>
+            </a:r>
+            <a:endParaRPr lang="ru-RU" sz="2400" dirty="0">
+              <a:solidFill>
+                <a:schemeClr val="tx1"/>
+              </a:solidFill>
+              <a:latin typeface="Times New Roman" panose="02020603050405020304" pitchFamily="18" charset="0"/>
+              <a:cs typeface="Times New Roman" panose="02020603050405020304" pitchFamily="18" charset="0"/>
+            </a:endParaRPr>
+          </a:p>
+        </p:txBody>
+      </p:sp>
+      <p:sp>
+        <p:nvSpPr>
+          <p:cNvPr id="10" name="Скругленный прямоугольник 9"/>
+          <p:cNvSpPr/>
+          <p:nvPr/>
+        </p:nvSpPr>
+        <p:spPr>
+          <a:xfrm>
+            <a:off x="2018778" y="2471352"/>
+            <a:ext cx="3391930" cy="1328351"/>
+          </a:xfrm>
+          <a:prstGeom prst="roundRect">
+            <a:avLst/>
+          </a:prstGeom>
+          <a:solidFill>
+            <a:schemeClr val="accent4">
+              <a:lumMod val="40000"/>
+              <a:lumOff val="60000"/>
+            </a:schemeClr>
+          </a:solidFill>
+        </p:spPr>
+        <p:style>
+          <a:lnRef idx="2">
+            <a:schemeClr val="accent1">
+              <a:shade val="50000"/>
+            </a:schemeClr>
+          </a:lnRef>
+          <a:fillRef idx="1">
+            <a:schemeClr val="accent1"/>
+          </a:fillRef>
+          <a:effectRef idx="0">
+            <a:schemeClr val="accent1"/>
+          </a:effectRef>
+          <a:fontRef idx="minor">
+            <a:schemeClr val="lt1"/>
+          </a:fontRef>
+        </p:style>
+        <p:txBody>
+          <a:bodyPr rtlCol="0" anchor="ctr"/>
+          <a:lstStyle/>
+          <a:p>
+            <a:pPr algn="ctr"/>
+            <a:r>
+              <a:rPr lang="ru-RU" sz="2400" dirty="0" smtClean="0">
+                <a:solidFill>
+                  <a:schemeClr val="tx1"/>
+                </a:solidFill>
+                <a:latin typeface="Times New Roman" panose="02020603050405020304" pitchFamily="18" charset="0"/>
+                <a:cs typeface="Times New Roman" panose="02020603050405020304" pitchFamily="18" charset="0"/>
+              </a:rPr>
+              <a:t>Детекция</a:t>
+            </a:r>
+          </a:p>
+          <a:p>
+            <a:pPr algn="ctr"/>
+            <a:r>
+              <a:rPr lang="ru-RU" sz="2400" dirty="0" smtClean="0">
+                <a:solidFill>
+                  <a:schemeClr val="tx1"/>
+                </a:solidFill>
+                <a:latin typeface="Times New Roman" panose="02020603050405020304" pitchFamily="18" charset="0"/>
+                <a:cs typeface="Times New Roman" panose="02020603050405020304" pitchFamily="18" charset="0"/>
+              </a:rPr>
+              <a:t>источника</a:t>
+            </a:r>
+            <a:endParaRPr lang="ru-RU" sz="2400" dirty="0">
+              <a:solidFill>
+                <a:schemeClr val="tx1"/>
+              </a:solidFill>
+              <a:latin typeface="Times New Roman" panose="02020603050405020304" pitchFamily="18" charset="0"/>
+              <a:cs typeface="Times New Roman" panose="02020603050405020304" pitchFamily="18" charset="0"/>
+            </a:endParaRPr>
+          </a:p>
+        </p:txBody>
+      </p:sp>
+      <p:sp>
+        <p:nvSpPr>
+          <p:cNvPr id="22" name="Скругленный прямоугольник 21"/>
+          <p:cNvSpPr/>
+          <p:nvPr/>
+        </p:nvSpPr>
+        <p:spPr>
+          <a:xfrm>
+            <a:off x="6965360" y="2471351"/>
+            <a:ext cx="3391930" cy="1328351"/>
+          </a:xfrm>
+          <a:prstGeom prst="roundRect">
+            <a:avLst/>
+          </a:prstGeom>
+          <a:solidFill>
+            <a:schemeClr val="accent5">
+              <a:lumMod val="40000"/>
+              <a:lumOff val="60000"/>
+            </a:schemeClr>
+          </a:solidFill>
+        </p:spPr>
+        <p:style>
+          <a:lnRef idx="2">
+            <a:schemeClr val="accent1">
+              <a:shade val="50000"/>
+            </a:schemeClr>
+          </a:lnRef>
+          <a:fillRef idx="1">
+            <a:schemeClr val="accent1"/>
+          </a:fillRef>
+          <a:effectRef idx="0">
+            <a:schemeClr val="accent1"/>
+          </a:effectRef>
+          <a:fontRef idx="minor">
+            <a:schemeClr val="lt1"/>
+          </a:fontRef>
+        </p:style>
+        <p:txBody>
+          <a:bodyPr rtlCol="0" anchor="ctr"/>
+          <a:lstStyle/>
+          <a:p>
+            <a:pPr algn="ctr"/>
+            <a:r>
+              <a:rPr lang="ru-RU" sz="2400" dirty="0" smtClean="0">
+                <a:solidFill>
+                  <a:schemeClr val="tx1"/>
+                </a:solidFill>
+                <a:latin typeface="Times New Roman" panose="02020603050405020304" pitchFamily="18" charset="0"/>
+                <a:cs typeface="Times New Roman" panose="02020603050405020304" pitchFamily="18" charset="0"/>
+              </a:rPr>
+              <a:t>Сегментация</a:t>
+            </a:r>
+          </a:p>
+          <a:p>
+            <a:pPr algn="ctr"/>
+            <a:r>
+              <a:rPr lang="ru-RU" sz="2400" dirty="0">
+                <a:solidFill>
+                  <a:schemeClr val="tx1"/>
+                </a:solidFill>
+                <a:latin typeface="Times New Roman" panose="02020603050405020304" pitchFamily="18" charset="0"/>
+                <a:cs typeface="Times New Roman" panose="02020603050405020304" pitchFamily="18" charset="0"/>
+              </a:rPr>
+              <a:t>ф</a:t>
+            </a:r>
+            <a:r>
+              <a:rPr lang="ru-RU" sz="2400" dirty="0" smtClean="0">
+                <a:solidFill>
+                  <a:schemeClr val="tx1"/>
+                </a:solidFill>
+                <a:latin typeface="Times New Roman" panose="02020603050405020304" pitchFamily="18" charset="0"/>
+                <a:cs typeface="Times New Roman" panose="02020603050405020304" pitchFamily="18" charset="0"/>
+              </a:rPr>
+              <a:t>акела методом</a:t>
+            </a:r>
+          </a:p>
+          <a:p>
+            <a:pPr algn="ctr"/>
+            <a:r>
+              <a:rPr lang="ru-RU" sz="2400" dirty="0" smtClean="0">
+                <a:solidFill>
+                  <a:schemeClr val="tx1"/>
+                </a:solidFill>
+                <a:latin typeface="Times New Roman" panose="02020603050405020304" pitchFamily="18" charset="0"/>
+                <a:cs typeface="Times New Roman" panose="02020603050405020304" pitchFamily="18" charset="0"/>
+              </a:rPr>
+              <a:t>водораздела</a:t>
+            </a:r>
+            <a:endParaRPr lang="ru-RU" sz="2400" dirty="0">
+              <a:solidFill>
+                <a:schemeClr val="tx1"/>
+              </a:solidFill>
+              <a:latin typeface="Times New Roman" panose="02020603050405020304" pitchFamily="18" charset="0"/>
+              <a:cs typeface="Times New Roman" panose="02020603050405020304" pitchFamily="18" charset="0"/>
+            </a:endParaRPr>
+          </a:p>
+        </p:txBody>
+      </p:sp>
+      <p:cxnSp>
+        <p:nvCxnSpPr>
+          <p:cNvPr id="28" name="Прямая соединительная линия 27"/>
+          <p:cNvCxnSpPr/>
+          <p:nvPr/>
+        </p:nvCxnSpPr>
+        <p:spPr>
+          <a:xfrm flipH="1">
+            <a:off x="6190735" y="1785552"/>
+            <a:ext cx="2" cy="336725"/>
+          </a:xfrm>
+          <a:prstGeom prst="line">
+            <a:avLst/>
+          </a:prstGeom>
+          <a:ln w="28575">
+            <a:solidFill>
+              <a:schemeClr val="tx1"/>
+            </a:solidFill>
+          </a:ln>
+        </p:spPr>
+        <p:style>
+          <a:lnRef idx="1">
+            <a:schemeClr val="accent1"/>
+          </a:lnRef>
+          <a:fillRef idx="0">
+            <a:schemeClr val="accent1"/>
+          </a:fillRef>
+          <a:effectRef idx="0">
+            <a:schemeClr val="accent1"/>
+          </a:effectRef>
+          <a:fontRef idx="minor">
+            <a:schemeClr val="tx1"/>
+          </a:fontRef>
+        </p:style>
+      </p:cxnSp>
+      <p:cxnSp>
+        <p:nvCxnSpPr>
+          <p:cNvPr id="15" name="Прямая соединительная линия 14"/>
+          <p:cNvCxnSpPr/>
+          <p:nvPr/>
+        </p:nvCxnSpPr>
+        <p:spPr>
+          <a:xfrm flipV="1">
+            <a:off x="3700849" y="2122277"/>
+            <a:ext cx="4979773" cy="10794"/>
+          </a:xfrm>
+          <a:prstGeom prst="line">
+            <a:avLst/>
+          </a:prstGeom>
+          <a:ln w="28575">
+            <a:solidFill>
+              <a:schemeClr val="tx1"/>
+            </a:solidFill>
+          </a:ln>
+        </p:spPr>
+        <p:style>
+          <a:lnRef idx="1">
+            <a:schemeClr val="accent1"/>
+          </a:lnRef>
+          <a:fillRef idx="0">
+            <a:schemeClr val="accent1"/>
+          </a:fillRef>
+          <a:effectRef idx="0">
+            <a:schemeClr val="accent1"/>
+          </a:effectRef>
+          <a:fontRef idx="minor">
+            <a:schemeClr val="tx1"/>
+          </a:fontRef>
+        </p:style>
+      </p:cxnSp>
+      <p:cxnSp>
+        <p:nvCxnSpPr>
+          <p:cNvPr id="16" name="Прямая со стрелкой 15"/>
+          <p:cNvCxnSpPr/>
+          <p:nvPr/>
+        </p:nvCxnSpPr>
+        <p:spPr>
+          <a:xfrm>
+            <a:off x="8667503" y="2133072"/>
+            <a:ext cx="0" cy="337503"/>
+          </a:xfrm>
+          <a:prstGeom prst="straightConnector1">
+            <a:avLst/>
+          </a:prstGeom>
+          <a:ln w="28575">
+            <a:solidFill>
+              <a:schemeClr val="tx1"/>
+            </a:solidFill>
+            <a:tailEnd type="triangle"/>
+          </a:ln>
+        </p:spPr>
+        <p:style>
+          <a:lnRef idx="1">
+            <a:schemeClr val="accent1"/>
+          </a:lnRef>
+          <a:fillRef idx="0">
+            <a:schemeClr val="accent1"/>
+          </a:fillRef>
+          <a:effectRef idx="0">
+            <a:schemeClr val="accent1"/>
+          </a:effectRef>
+          <a:fontRef idx="minor">
+            <a:schemeClr val="tx1"/>
+          </a:fontRef>
+        </p:style>
+      </p:cxnSp>
+      <p:cxnSp>
+        <p:nvCxnSpPr>
+          <p:cNvPr id="20" name="Прямая со стрелкой 19"/>
+          <p:cNvCxnSpPr/>
+          <p:nvPr/>
+        </p:nvCxnSpPr>
+        <p:spPr>
+          <a:xfrm>
+            <a:off x="3711918" y="2133071"/>
+            <a:ext cx="0" cy="337503"/>
+          </a:xfrm>
+          <a:prstGeom prst="straightConnector1">
+            <a:avLst/>
+          </a:prstGeom>
+          <a:ln w="28575">
+            <a:solidFill>
+              <a:schemeClr val="tx1"/>
+            </a:solidFill>
+            <a:tailEnd type="triangle"/>
+          </a:ln>
+        </p:spPr>
+        <p:style>
+          <a:lnRef idx="1">
+            <a:schemeClr val="accent1"/>
+          </a:lnRef>
+          <a:fillRef idx="0">
+            <a:schemeClr val="accent1"/>
+          </a:fillRef>
+          <a:effectRef idx="0">
+            <a:schemeClr val="accent1"/>
+          </a:effectRef>
+          <a:fontRef idx="minor">
+            <a:schemeClr val="tx1"/>
+          </a:fontRef>
+        </p:style>
+      </p:cxnSp>
+    </p:spTree>
+    <p:extLst>
+      <p:ext uri="{BB962C8B-B14F-4D97-AF65-F5344CB8AC3E}">
+        <p14:creationId xmlns:p14="http://schemas.microsoft.com/office/powerpoint/2010/main" val="2935827139"/>
+      </p:ext>
+    </p:extLst>
+  </p:cSld>
+  <p:clrMapOvr>
+    <a:masterClrMapping/>
+  </p:clrMapOvr>
+  <p:timing>
+    <p:tnLst>
+      <p:par>
+        <p:cTn id="1" dur="indefinite" restart="never" nodeType="tmRoot"/>
+      </p:par>
+    </p:tnLst>
+  </p:timing>
+</p:sld>
+</file>
+
 <file path=ppt/theme/theme1.xml><?xml version="1.0" encoding="utf-8"?>
 <a:theme xmlns:a="http://schemas.openxmlformats.org/drawingml/2006/main" name="Тема Office">
   <a:themeElements>

--- a/процентовка 1/схемы.pptx
+++ b/процентовка 1/схемы.pptx
@@ -9,6 +9,8 @@
     <p:sldId id="257" r:id="rId3"/>
     <p:sldId id="258" r:id="rId4"/>
     <p:sldId id="259" r:id="rId5"/>
+    <p:sldId id="260" r:id="rId6"/>
+    <p:sldId id="261" r:id="rId7"/>
   </p:sldIdLst>
   <p:sldSz cx="12192000" cy="6858000"/>
   <p:notesSz cx="6858000" cy="9144000"/>
@@ -246,7 +248,7 @@
           <a:p>
             <a:fld id="{925D05A6-F90F-4F92-A959-9B9C4AF8A648}" type="datetimeFigureOut">
               <a:rPr lang="ru-RU" smtClean="0"/>
-              <a:t>27.05.2023</a:t>
+              <a:t>30.05.2023</a:t>
             </a:fld>
             <a:endParaRPr lang="ru-RU"/>
           </a:p>
@@ -416,7 +418,7 @@
           <a:p>
             <a:fld id="{925D05A6-F90F-4F92-A959-9B9C4AF8A648}" type="datetimeFigureOut">
               <a:rPr lang="ru-RU" smtClean="0"/>
-              <a:t>27.05.2023</a:t>
+              <a:t>30.05.2023</a:t>
             </a:fld>
             <a:endParaRPr lang="ru-RU"/>
           </a:p>
@@ -596,7 +598,7 @@
           <a:p>
             <a:fld id="{925D05A6-F90F-4F92-A959-9B9C4AF8A648}" type="datetimeFigureOut">
               <a:rPr lang="ru-RU" smtClean="0"/>
-              <a:t>27.05.2023</a:t>
+              <a:t>30.05.2023</a:t>
             </a:fld>
             <a:endParaRPr lang="ru-RU"/>
           </a:p>
@@ -766,7 +768,7 @@
           <a:p>
             <a:fld id="{925D05A6-F90F-4F92-A959-9B9C4AF8A648}" type="datetimeFigureOut">
               <a:rPr lang="ru-RU" smtClean="0"/>
-              <a:t>27.05.2023</a:t>
+              <a:t>30.05.2023</a:t>
             </a:fld>
             <a:endParaRPr lang="ru-RU"/>
           </a:p>
@@ -1012,7 +1014,7 @@
           <a:p>
             <a:fld id="{925D05A6-F90F-4F92-A959-9B9C4AF8A648}" type="datetimeFigureOut">
               <a:rPr lang="ru-RU" smtClean="0"/>
-              <a:t>27.05.2023</a:t>
+              <a:t>30.05.2023</a:t>
             </a:fld>
             <a:endParaRPr lang="ru-RU"/>
           </a:p>
@@ -1244,7 +1246,7 @@
           <a:p>
             <a:fld id="{925D05A6-F90F-4F92-A959-9B9C4AF8A648}" type="datetimeFigureOut">
               <a:rPr lang="ru-RU" smtClean="0"/>
-              <a:t>27.05.2023</a:t>
+              <a:t>30.05.2023</a:t>
             </a:fld>
             <a:endParaRPr lang="ru-RU"/>
           </a:p>
@@ -1611,7 +1613,7 @@
           <a:p>
             <a:fld id="{925D05A6-F90F-4F92-A959-9B9C4AF8A648}" type="datetimeFigureOut">
               <a:rPr lang="ru-RU" smtClean="0"/>
-              <a:t>27.05.2023</a:t>
+              <a:t>30.05.2023</a:t>
             </a:fld>
             <a:endParaRPr lang="ru-RU"/>
           </a:p>
@@ -1729,7 +1731,7 @@
           <a:p>
             <a:fld id="{925D05A6-F90F-4F92-A959-9B9C4AF8A648}" type="datetimeFigureOut">
               <a:rPr lang="ru-RU" smtClean="0"/>
-              <a:t>27.05.2023</a:t>
+              <a:t>30.05.2023</a:t>
             </a:fld>
             <a:endParaRPr lang="ru-RU"/>
           </a:p>
@@ -1824,7 +1826,7 @@
           <a:p>
             <a:fld id="{925D05A6-F90F-4F92-A959-9B9C4AF8A648}" type="datetimeFigureOut">
               <a:rPr lang="ru-RU" smtClean="0"/>
-              <a:t>27.05.2023</a:t>
+              <a:t>30.05.2023</a:t>
             </a:fld>
             <a:endParaRPr lang="ru-RU"/>
           </a:p>
@@ -2101,7 +2103,7 @@
           <a:p>
             <a:fld id="{925D05A6-F90F-4F92-A959-9B9C4AF8A648}" type="datetimeFigureOut">
               <a:rPr lang="ru-RU" smtClean="0"/>
-              <a:t>27.05.2023</a:t>
+              <a:t>30.05.2023</a:t>
             </a:fld>
             <a:endParaRPr lang="ru-RU"/>
           </a:p>
@@ -2354,7 +2356,7 @@
           <a:p>
             <a:fld id="{925D05A6-F90F-4F92-A959-9B9C4AF8A648}" type="datetimeFigureOut">
               <a:rPr lang="ru-RU" smtClean="0"/>
-              <a:t>27.05.2023</a:t>
+              <a:t>30.05.2023</a:t>
             </a:fld>
             <a:endParaRPr lang="ru-RU"/>
           </a:p>
@@ -2567,7 +2569,7 @@
           <a:p>
             <a:fld id="{925D05A6-F90F-4F92-A959-9B9C4AF8A648}" type="datetimeFigureOut">
               <a:rPr lang="ru-RU" smtClean="0"/>
-              <a:t>27.05.2023</a:t>
+              <a:t>30.05.2023</a:t>
             </a:fld>
             <a:endParaRPr lang="ru-RU"/>
           </a:p>
@@ -4596,17 +4598,7 @@
                 <a:latin typeface="Times New Roman" panose="02020603050405020304" pitchFamily="18" charset="0"/>
                 <a:cs typeface="Times New Roman" panose="02020603050405020304" pitchFamily="18" charset="0"/>
               </a:rPr>
-              <a:t>акела </a:t>
-            </a:r>
-            <a:r>
-              <a:rPr lang="ru-RU" sz="2400" dirty="0" smtClean="0">
-                <a:solidFill>
-                  <a:schemeClr val="tx1"/>
-                </a:solidFill>
-                <a:latin typeface="Times New Roman" panose="02020603050405020304" pitchFamily="18" charset="0"/>
-                <a:cs typeface="Times New Roman" panose="02020603050405020304" pitchFamily="18" charset="0"/>
-              </a:rPr>
-              <a:t>выбросов</a:t>
+              <a:t>акела выбросов</a:t>
             </a:r>
             <a:endParaRPr lang="ru-RU" sz="2400" dirty="0">
               <a:solidFill>
@@ -4937,6 +4929,1212 @@
     <p:extLst>
       <p:ext uri="{BB962C8B-B14F-4D97-AF65-F5344CB8AC3E}">
         <p14:creationId xmlns:p14="http://schemas.microsoft.com/office/powerpoint/2010/main" val="2935827139"/>
+      </p:ext>
+    </p:extLst>
+  </p:cSld>
+  <p:clrMapOvr>
+    <a:masterClrMapping/>
+  </p:clrMapOvr>
+  <p:timing>
+    <p:tnLst>
+      <p:par>
+        <p:cTn id="1" dur="indefinite" restart="never" nodeType="tmRoot"/>
+      </p:par>
+    </p:tnLst>
+  </p:timing>
+</p:sld>
+</file>
+
+<file path=ppt/slides/slide5.xml><?xml version="1.0" encoding="utf-8"?>
+<p:sld xmlns:a="http://schemas.openxmlformats.org/drawingml/2006/main" xmlns:r="http://schemas.openxmlformats.org/officeDocument/2006/relationships" xmlns:p="http://schemas.openxmlformats.org/presentationml/2006/main">
+  <p:cSld>
+    <p:spTree>
+      <p:nvGrpSpPr>
+        <p:cNvPr id="1" name=""/>
+        <p:cNvGrpSpPr/>
+        <p:nvPr/>
+      </p:nvGrpSpPr>
+      <p:grpSpPr>
+        <a:xfrm>
+          <a:off x="0" y="0"/>
+          <a:ext cx="0" cy="0"/>
+          <a:chOff x="0" y="0"/>
+          <a:chExt cx="0" cy="0"/>
+        </a:xfrm>
+      </p:grpSpPr>
+      <p:sp>
+        <p:nvSpPr>
+          <p:cNvPr id="10" name="Скругленный прямоугольник 9"/>
+          <p:cNvSpPr/>
+          <p:nvPr/>
+        </p:nvSpPr>
+        <p:spPr>
+          <a:xfrm>
+            <a:off x="717466" y="2316893"/>
+            <a:ext cx="3391930" cy="1612556"/>
+          </a:xfrm>
+          <a:prstGeom prst="roundRect">
+            <a:avLst/>
+          </a:prstGeom>
+          <a:solidFill>
+            <a:schemeClr val="accent4">
+              <a:lumMod val="40000"/>
+              <a:lumOff val="60000"/>
+            </a:schemeClr>
+          </a:solidFill>
+        </p:spPr>
+        <p:style>
+          <a:lnRef idx="2">
+            <a:schemeClr val="accent1">
+              <a:shade val="50000"/>
+            </a:schemeClr>
+          </a:lnRef>
+          <a:fillRef idx="1">
+            <a:schemeClr val="accent1"/>
+          </a:fillRef>
+          <a:effectRef idx="0">
+            <a:schemeClr val="accent1"/>
+          </a:effectRef>
+          <a:fontRef idx="minor">
+            <a:schemeClr val="lt1"/>
+          </a:fontRef>
+        </p:style>
+        <p:txBody>
+          <a:bodyPr rtlCol="0" anchor="ctr"/>
+          <a:lstStyle/>
+          <a:p>
+            <a:pPr algn="ctr"/>
+            <a:r>
+              <a:rPr lang="ru-RU" sz="2400" dirty="0" smtClean="0">
+                <a:solidFill>
+                  <a:schemeClr val="tx1"/>
+                </a:solidFill>
+                <a:latin typeface="Times New Roman" panose="02020603050405020304" pitchFamily="18" charset="0"/>
+                <a:cs typeface="Times New Roman" panose="02020603050405020304" pitchFamily="18" charset="0"/>
+              </a:rPr>
+              <a:t>Подготовка данных</a:t>
+            </a:r>
+            <a:endParaRPr lang="ru-RU" sz="2400" dirty="0" smtClean="0">
+              <a:solidFill>
+                <a:schemeClr val="tx1"/>
+              </a:solidFill>
+              <a:latin typeface="Times New Roman" panose="02020603050405020304" pitchFamily="18" charset="0"/>
+              <a:cs typeface="Times New Roman" panose="02020603050405020304" pitchFamily="18" charset="0"/>
+            </a:endParaRPr>
+          </a:p>
+        </p:txBody>
+      </p:sp>
+      <p:sp>
+        <p:nvSpPr>
+          <p:cNvPr id="11" name="Скругленный прямоугольник 10"/>
+          <p:cNvSpPr/>
+          <p:nvPr/>
+        </p:nvSpPr>
+        <p:spPr>
+          <a:xfrm>
+            <a:off x="4477784" y="2316893"/>
+            <a:ext cx="3391930" cy="1612556"/>
+          </a:xfrm>
+          <a:prstGeom prst="roundRect">
+            <a:avLst/>
+          </a:prstGeom>
+          <a:solidFill>
+            <a:schemeClr val="accent2">
+              <a:lumMod val="40000"/>
+              <a:lumOff val="60000"/>
+            </a:schemeClr>
+          </a:solidFill>
+        </p:spPr>
+        <p:style>
+          <a:lnRef idx="2">
+            <a:schemeClr val="accent1">
+              <a:shade val="50000"/>
+            </a:schemeClr>
+          </a:lnRef>
+          <a:fillRef idx="1">
+            <a:schemeClr val="accent1"/>
+          </a:fillRef>
+          <a:effectRef idx="0">
+            <a:schemeClr val="accent1"/>
+          </a:effectRef>
+          <a:fontRef idx="minor">
+            <a:schemeClr val="lt1"/>
+          </a:fontRef>
+        </p:style>
+        <p:txBody>
+          <a:bodyPr rtlCol="0" anchor="ctr"/>
+          <a:lstStyle/>
+          <a:p>
+            <a:pPr algn="ctr"/>
+            <a:r>
+              <a:rPr lang="ru-RU" sz="2400" dirty="0" smtClean="0">
+                <a:solidFill>
+                  <a:schemeClr val="tx1"/>
+                </a:solidFill>
+                <a:latin typeface="Times New Roman" panose="02020603050405020304" pitchFamily="18" charset="0"/>
+                <a:cs typeface="Times New Roman" panose="02020603050405020304" pitchFamily="18" charset="0"/>
+              </a:rPr>
+              <a:t>Детекция трубы</a:t>
+            </a:r>
+            <a:endParaRPr lang="ru-RU" sz="2400" dirty="0">
+              <a:solidFill>
+                <a:schemeClr val="tx1"/>
+              </a:solidFill>
+              <a:latin typeface="Times New Roman" panose="02020603050405020304" pitchFamily="18" charset="0"/>
+              <a:cs typeface="Times New Roman" panose="02020603050405020304" pitchFamily="18" charset="0"/>
+            </a:endParaRPr>
+          </a:p>
+        </p:txBody>
+      </p:sp>
+      <p:sp>
+        <p:nvSpPr>
+          <p:cNvPr id="22" name="Скругленный прямоугольник 21"/>
+          <p:cNvSpPr/>
+          <p:nvPr/>
+        </p:nvSpPr>
+        <p:spPr>
+          <a:xfrm>
+            <a:off x="8238102" y="2316893"/>
+            <a:ext cx="3391930" cy="1612556"/>
+          </a:xfrm>
+          <a:prstGeom prst="roundRect">
+            <a:avLst/>
+          </a:prstGeom>
+          <a:solidFill>
+            <a:schemeClr val="accent5">
+              <a:lumMod val="40000"/>
+              <a:lumOff val="60000"/>
+            </a:schemeClr>
+          </a:solidFill>
+        </p:spPr>
+        <p:style>
+          <a:lnRef idx="2">
+            <a:schemeClr val="accent1">
+              <a:shade val="50000"/>
+            </a:schemeClr>
+          </a:lnRef>
+          <a:fillRef idx="1">
+            <a:schemeClr val="accent1"/>
+          </a:fillRef>
+          <a:effectRef idx="0">
+            <a:schemeClr val="accent1"/>
+          </a:effectRef>
+          <a:fontRef idx="minor">
+            <a:schemeClr val="lt1"/>
+          </a:fontRef>
+        </p:style>
+        <p:txBody>
+          <a:bodyPr rtlCol="0" anchor="ctr"/>
+          <a:lstStyle/>
+          <a:p>
+            <a:pPr algn="ctr"/>
+            <a:r>
+              <a:rPr lang="ru-RU" sz="2400" dirty="0" smtClean="0">
+                <a:solidFill>
+                  <a:schemeClr val="tx1"/>
+                </a:solidFill>
+                <a:latin typeface="Times New Roman" panose="02020603050405020304" pitchFamily="18" charset="0"/>
+                <a:cs typeface="Times New Roman" panose="02020603050405020304" pitchFamily="18" charset="0"/>
+              </a:rPr>
+              <a:t>Сегментация факела</a:t>
+            </a:r>
+            <a:endParaRPr lang="ru-RU" sz="2400" dirty="0">
+              <a:solidFill>
+                <a:schemeClr val="tx1"/>
+              </a:solidFill>
+              <a:latin typeface="Times New Roman" panose="02020603050405020304" pitchFamily="18" charset="0"/>
+              <a:cs typeface="Times New Roman" panose="02020603050405020304" pitchFamily="18" charset="0"/>
+            </a:endParaRPr>
+          </a:p>
+        </p:txBody>
+      </p:sp>
+      <p:cxnSp>
+        <p:nvCxnSpPr>
+          <p:cNvPr id="24" name="Прямая со стрелкой 23"/>
+          <p:cNvCxnSpPr>
+            <a:stCxn id="11" idx="3"/>
+            <a:endCxn id="22" idx="1"/>
+          </p:cNvCxnSpPr>
+          <p:nvPr/>
+        </p:nvCxnSpPr>
+        <p:spPr>
+          <a:xfrm>
+            <a:off x="7869714" y="3123171"/>
+            <a:ext cx="368388" cy="0"/>
+          </a:xfrm>
+          <a:prstGeom prst="straightConnector1">
+            <a:avLst/>
+          </a:prstGeom>
+          <a:ln w="28575">
+            <a:solidFill>
+              <a:schemeClr val="tx1"/>
+            </a:solidFill>
+            <a:tailEnd type="triangle"/>
+          </a:ln>
+        </p:spPr>
+        <p:style>
+          <a:lnRef idx="1">
+            <a:schemeClr val="accent1"/>
+          </a:lnRef>
+          <a:fillRef idx="0">
+            <a:schemeClr val="accent1"/>
+          </a:fillRef>
+          <a:effectRef idx="0">
+            <a:schemeClr val="accent1"/>
+          </a:effectRef>
+          <a:fontRef idx="minor">
+            <a:schemeClr val="tx1"/>
+          </a:fontRef>
+        </p:style>
+      </p:cxnSp>
+      <p:cxnSp>
+        <p:nvCxnSpPr>
+          <p:cNvPr id="20" name="Прямая со стрелкой 19"/>
+          <p:cNvCxnSpPr>
+            <a:stCxn id="10" idx="3"/>
+            <a:endCxn id="11" idx="1"/>
+          </p:cNvCxnSpPr>
+          <p:nvPr/>
+        </p:nvCxnSpPr>
+        <p:spPr>
+          <a:xfrm>
+            <a:off x="4109396" y="3123171"/>
+            <a:ext cx="368388" cy="0"/>
+          </a:xfrm>
+          <a:prstGeom prst="straightConnector1">
+            <a:avLst/>
+          </a:prstGeom>
+          <a:ln w="28575">
+            <a:solidFill>
+              <a:schemeClr val="tx1"/>
+            </a:solidFill>
+            <a:tailEnd type="triangle"/>
+          </a:ln>
+        </p:spPr>
+        <p:style>
+          <a:lnRef idx="1">
+            <a:schemeClr val="accent1"/>
+          </a:lnRef>
+          <a:fillRef idx="0">
+            <a:schemeClr val="accent1"/>
+          </a:fillRef>
+          <a:effectRef idx="0">
+            <a:schemeClr val="accent1"/>
+          </a:effectRef>
+          <a:fontRef idx="minor">
+            <a:schemeClr val="tx1"/>
+          </a:fontRef>
+        </p:style>
+      </p:cxnSp>
+    </p:spTree>
+    <p:extLst>
+      <p:ext uri="{BB962C8B-B14F-4D97-AF65-F5344CB8AC3E}">
+        <p14:creationId xmlns:p14="http://schemas.microsoft.com/office/powerpoint/2010/main" val="1590809617"/>
+      </p:ext>
+    </p:extLst>
+  </p:cSld>
+  <p:clrMapOvr>
+    <a:masterClrMapping/>
+  </p:clrMapOvr>
+  <p:timing>
+    <p:tnLst>
+      <p:par>
+        <p:cTn id="1" dur="indefinite" restart="never" nodeType="tmRoot"/>
+      </p:par>
+    </p:tnLst>
+  </p:timing>
+</p:sld>
+</file>
+
+<file path=ppt/slides/slide6.xml><?xml version="1.0" encoding="utf-8"?>
+<p:sld xmlns:a="http://schemas.openxmlformats.org/drawingml/2006/main" xmlns:r="http://schemas.openxmlformats.org/officeDocument/2006/relationships" xmlns:p="http://schemas.openxmlformats.org/presentationml/2006/main">
+  <p:cSld>
+    <p:spTree>
+      <p:nvGrpSpPr>
+        <p:cNvPr id="1" name=""/>
+        <p:cNvGrpSpPr/>
+        <p:nvPr/>
+      </p:nvGrpSpPr>
+      <p:grpSpPr>
+        <a:xfrm>
+          <a:off x="0" y="0"/>
+          <a:ext cx="0" cy="0"/>
+          <a:chOff x="0" y="0"/>
+          <a:chExt cx="0" cy="0"/>
+        </a:xfrm>
+      </p:grpSpPr>
+      <p:sp>
+        <p:nvSpPr>
+          <p:cNvPr id="49" name="Скругленный прямоугольник 48"/>
+          <p:cNvSpPr/>
+          <p:nvPr/>
+        </p:nvSpPr>
+        <p:spPr>
+          <a:xfrm>
+            <a:off x="3849131" y="4049202"/>
+            <a:ext cx="6586150" cy="1912933"/>
+          </a:xfrm>
+          <a:prstGeom prst="roundRect">
+            <a:avLst/>
+          </a:prstGeom>
+          <a:solidFill>
+            <a:schemeClr val="bg1"/>
+          </a:solidFill>
+        </p:spPr>
+        <p:style>
+          <a:lnRef idx="2">
+            <a:schemeClr val="accent1">
+              <a:shade val="50000"/>
+            </a:schemeClr>
+          </a:lnRef>
+          <a:fillRef idx="1">
+            <a:schemeClr val="accent1"/>
+          </a:fillRef>
+          <a:effectRef idx="0">
+            <a:schemeClr val="accent1"/>
+          </a:effectRef>
+          <a:fontRef idx="minor">
+            <a:schemeClr val="lt1"/>
+          </a:fontRef>
+        </p:style>
+        <p:txBody>
+          <a:bodyPr rtlCol="0" anchor="ctr"/>
+          <a:lstStyle/>
+          <a:p>
+            <a:pPr algn="ctr"/>
+            <a:endParaRPr lang="ru-RU"/>
+          </a:p>
+        </p:txBody>
+      </p:sp>
+      <p:sp>
+        <p:nvSpPr>
+          <p:cNvPr id="45" name="Скругленный прямоугольник 44"/>
+          <p:cNvSpPr/>
+          <p:nvPr/>
+        </p:nvSpPr>
+        <p:spPr>
+          <a:xfrm>
+            <a:off x="3847068" y="2538909"/>
+            <a:ext cx="6586150" cy="1401513"/>
+          </a:xfrm>
+          <a:prstGeom prst="roundRect">
+            <a:avLst/>
+          </a:prstGeom>
+          <a:solidFill>
+            <a:schemeClr val="bg1"/>
+          </a:solidFill>
+        </p:spPr>
+        <p:style>
+          <a:lnRef idx="2">
+            <a:schemeClr val="accent1">
+              <a:shade val="50000"/>
+            </a:schemeClr>
+          </a:lnRef>
+          <a:fillRef idx="1">
+            <a:schemeClr val="accent1"/>
+          </a:fillRef>
+          <a:effectRef idx="0">
+            <a:schemeClr val="accent1"/>
+          </a:effectRef>
+          <a:fontRef idx="minor">
+            <a:schemeClr val="lt1"/>
+          </a:fontRef>
+        </p:style>
+        <p:txBody>
+          <a:bodyPr rtlCol="0" anchor="ctr"/>
+          <a:lstStyle/>
+          <a:p>
+            <a:pPr algn="ctr"/>
+            <a:endParaRPr lang="ru-RU"/>
+          </a:p>
+        </p:txBody>
+      </p:sp>
+      <p:pic>
+        <p:nvPicPr>
+          <p:cNvPr id="2" name="Рисунок 1"/>
+          <p:cNvPicPr>
+            <a:picLocks noChangeAspect="1"/>
+          </p:cNvPicPr>
+          <p:nvPr/>
+        </p:nvPicPr>
+        <p:blipFill>
+          <a:blip r:embed="rId2"/>
+          <a:stretch>
+            <a:fillRect/>
+          </a:stretch>
+        </p:blipFill>
+        <p:spPr>
+          <a:xfrm>
+            <a:off x="3967876" y="4151458"/>
+            <a:ext cx="6344535" cy="371527"/>
+          </a:xfrm>
+          <a:prstGeom prst="rect">
+            <a:avLst/>
+          </a:prstGeom>
+        </p:spPr>
+      </p:pic>
+      <p:pic>
+        <p:nvPicPr>
+          <p:cNvPr id="3" name="Рисунок 2"/>
+          <p:cNvPicPr>
+            <a:picLocks noChangeAspect="1"/>
+          </p:cNvPicPr>
+          <p:nvPr/>
+        </p:nvPicPr>
+        <p:blipFill>
+          <a:blip r:embed="rId3"/>
+          <a:stretch>
+            <a:fillRect/>
+          </a:stretch>
+        </p:blipFill>
+        <p:spPr>
+          <a:xfrm>
+            <a:off x="3940711" y="5096232"/>
+            <a:ext cx="6371700" cy="409632"/>
+          </a:xfrm>
+          <a:prstGeom prst="rect">
+            <a:avLst/>
+          </a:prstGeom>
+        </p:spPr>
+      </p:pic>
+      <p:sp>
+        <p:nvSpPr>
+          <p:cNvPr id="4" name="Овал 3"/>
+          <p:cNvSpPr/>
+          <p:nvPr/>
+        </p:nvSpPr>
+        <p:spPr>
+          <a:xfrm>
+            <a:off x="4857705" y="3089500"/>
+            <a:ext cx="179173" cy="172994"/>
+          </a:xfrm>
+          <a:prstGeom prst="ellipse">
+            <a:avLst/>
+          </a:prstGeom>
+          <a:solidFill>
+            <a:srgbClr val="0200CF"/>
+          </a:solidFill>
+        </p:spPr>
+        <p:style>
+          <a:lnRef idx="2">
+            <a:schemeClr val="accent1">
+              <a:shade val="50000"/>
+            </a:schemeClr>
+          </a:lnRef>
+          <a:fillRef idx="1">
+            <a:schemeClr val="accent1"/>
+          </a:fillRef>
+          <a:effectRef idx="0">
+            <a:schemeClr val="accent1"/>
+          </a:effectRef>
+          <a:fontRef idx="minor">
+            <a:schemeClr val="lt1"/>
+          </a:fontRef>
+        </p:style>
+        <p:txBody>
+          <a:bodyPr rtlCol="0" anchor="ctr"/>
+          <a:lstStyle/>
+          <a:p>
+            <a:pPr algn="ctr"/>
+            <a:endParaRPr lang="ru-RU"/>
+          </a:p>
+        </p:txBody>
+      </p:sp>
+      <p:cxnSp>
+        <p:nvCxnSpPr>
+          <p:cNvPr id="12" name="Прямая со стрелкой 11"/>
+          <p:cNvCxnSpPr>
+            <a:stCxn id="4" idx="3"/>
+          </p:cNvCxnSpPr>
+          <p:nvPr/>
+        </p:nvCxnSpPr>
+        <p:spPr>
+          <a:xfrm flipH="1">
+            <a:off x="4276938" y="3237160"/>
+            <a:ext cx="607006" cy="908430"/>
+          </a:xfrm>
+          <a:prstGeom prst="straightConnector1">
+            <a:avLst/>
+          </a:prstGeom>
+          <a:ln w="28575">
+            <a:solidFill>
+              <a:schemeClr val="tx1"/>
+            </a:solidFill>
+            <a:tailEnd type="triangle"/>
+          </a:ln>
+        </p:spPr>
+        <p:style>
+          <a:lnRef idx="1">
+            <a:schemeClr val="accent1"/>
+          </a:lnRef>
+          <a:fillRef idx="0">
+            <a:schemeClr val="accent1"/>
+          </a:fillRef>
+          <a:effectRef idx="0">
+            <a:schemeClr val="accent1"/>
+          </a:effectRef>
+          <a:fontRef idx="minor">
+            <a:schemeClr val="tx1"/>
+          </a:fontRef>
+        </p:style>
+      </p:cxnSp>
+      <p:cxnSp>
+        <p:nvCxnSpPr>
+          <p:cNvPr id="13" name="Прямая со стрелкой 12"/>
+          <p:cNvCxnSpPr/>
+          <p:nvPr/>
+        </p:nvCxnSpPr>
+        <p:spPr>
+          <a:xfrm>
+            <a:off x="4269258" y="4522985"/>
+            <a:ext cx="0" cy="623604"/>
+          </a:xfrm>
+          <a:prstGeom prst="straightConnector1">
+            <a:avLst/>
+          </a:prstGeom>
+          <a:ln w="28575">
+            <a:solidFill>
+              <a:schemeClr val="tx1"/>
+            </a:solidFill>
+            <a:tailEnd type="triangle"/>
+          </a:ln>
+        </p:spPr>
+        <p:style>
+          <a:lnRef idx="1">
+            <a:schemeClr val="accent1"/>
+          </a:lnRef>
+          <a:fillRef idx="0">
+            <a:schemeClr val="accent1"/>
+          </a:fillRef>
+          <a:effectRef idx="0">
+            <a:schemeClr val="accent1"/>
+          </a:effectRef>
+          <a:fontRef idx="minor">
+            <a:schemeClr val="tx1"/>
+          </a:fontRef>
+        </p:style>
+      </p:cxnSp>
+      <p:sp>
+        <p:nvSpPr>
+          <p:cNvPr id="16" name="Овал 15"/>
+          <p:cNvSpPr/>
+          <p:nvPr/>
+        </p:nvSpPr>
+        <p:spPr>
+          <a:xfrm>
+            <a:off x="5651155" y="3405217"/>
+            <a:ext cx="179173" cy="172994"/>
+          </a:xfrm>
+          <a:prstGeom prst="ellipse">
+            <a:avLst/>
+          </a:prstGeom>
+          <a:solidFill>
+            <a:srgbClr val="1FD3FD"/>
+          </a:solidFill>
+        </p:spPr>
+        <p:style>
+          <a:lnRef idx="2">
+            <a:schemeClr val="accent1">
+              <a:shade val="50000"/>
+            </a:schemeClr>
+          </a:lnRef>
+          <a:fillRef idx="1">
+            <a:schemeClr val="accent1"/>
+          </a:fillRef>
+          <a:effectRef idx="0">
+            <a:schemeClr val="accent1"/>
+          </a:effectRef>
+          <a:fontRef idx="minor">
+            <a:schemeClr val="lt1"/>
+          </a:fontRef>
+        </p:style>
+        <p:txBody>
+          <a:bodyPr rtlCol="0" anchor="ctr"/>
+          <a:lstStyle/>
+          <a:p>
+            <a:pPr algn="ctr"/>
+            <a:endParaRPr lang="ru-RU"/>
+          </a:p>
+        </p:txBody>
+      </p:sp>
+      <p:cxnSp>
+        <p:nvCxnSpPr>
+          <p:cNvPr id="17" name="Прямая со стрелкой 16"/>
+          <p:cNvCxnSpPr>
+            <a:stCxn id="16" idx="5"/>
+          </p:cNvCxnSpPr>
+          <p:nvPr/>
+        </p:nvCxnSpPr>
+        <p:spPr>
+          <a:xfrm>
+            <a:off x="5804089" y="3552877"/>
+            <a:ext cx="384586" cy="611248"/>
+          </a:xfrm>
+          <a:prstGeom prst="straightConnector1">
+            <a:avLst/>
+          </a:prstGeom>
+          <a:ln w="28575">
+            <a:solidFill>
+              <a:schemeClr val="tx1"/>
+            </a:solidFill>
+            <a:tailEnd type="triangle"/>
+          </a:ln>
+        </p:spPr>
+        <p:style>
+          <a:lnRef idx="1">
+            <a:schemeClr val="accent1"/>
+          </a:lnRef>
+          <a:fillRef idx="0">
+            <a:schemeClr val="accent1"/>
+          </a:fillRef>
+          <a:effectRef idx="0">
+            <a:schemeClr val="accent1"/>
+          </a:effectRef>
+          <a:fontRef idx="minor">
+            <a:schemeClr val="tx1"/>
+          </a:fontRef>
+        </p:style>
+      </p:cxnSp>
+      <p:sp>
+        <p:nvSpPr>
+          <p:cNvPr id="19" name="Овал 18"/>
+          <p:cNvSpPr/>
+          <p:nvPr/>
+        </p:nvSpPr>
+        <p:spPr>
+          <a:xfrm>
+            <a:off x="6523543" y="3503965"/>
+            <a:ext cx="179173" cy="172994"/>
+          </a:xfrm>
+          <a:prstGeom prst="ellipse">
+            <a:avLst/>
+          </a:prstGeom>
+          <a:solidFill>
+            <a:srgbClr val="23C8F0"/>
+          </a:solidFill>
+        </p:spPr>
+        <p:style>
+          <a:lnRef idx="2">
+            <a:schemeClr val="accent1">
+              <a:shade val="50000"/>
+            </a:schemeClr>
+          </a:lnRef>
+          <a:fillRef idx="1">
+            <a:schemeClr val="accent1"/>
+          </a:fillRef>
+          <a:effectRef idx="0">
+            <a:schemeClr val="accent1"/>
+          </a:effectRef>
+          <a:fontRef idx="minor">
+            <a:schemeClr val="lt1"/>
+          </a:fontRef>
+        </p:style>
+        <p:txBody>
+          <a:bodyPr rtlCol="0" anchor="ctr"/>
+          <a:lstStyle/>
+          <a:p>
+            <a:pPr algn="ctr"/>
+            <a:endParaRPr lang="ru-RU"/>
+          </a:p>
+        </p:txBody>
+      </p:sp>
+      <p:cxnSp>
+        <p:nvCxnSpPr>
+          <p:cNvPr id="21" name="Прямая со стрелкой 20"/>
+          <p:cNvCxnSpPr>
+            <a:stCxn id="19" idx="3"/>
+          </p:cNvCxnSpPr>
+          <p:nvPr/>
+        </p:nvCxnSpPr>
+        <p:spPr>
+          <a:xfrm flipH="1">
+            <a:off x="6186966" y="3651625"/>
+            <a:ext cx="362816" cy="512500"/>
+          </a:xfrm>
+          <a:prstGeom prst="straightConnector1">
+            <a:avLst/>
+          </a:prstGeom>
+          <a:ln w="28575">
+            <a:solidFill>
+              <a:schemeClr val="tx1"/>
+            </a:solidFill>
+            <a:tailEnd type="triangle"/>
+          </a:ln>
+        </p:spPr>
+        <p:style>
+          <a:lnRef idx="1">
+            <a:schemeClr val="accent1"/>
+          </a:lnRef>
+          <a:fillRef idx="0">
+            <a:schemeClr val="accent1"/>
+          </a:fillRef>
+          <a:effectRef idx="0">
+            <a:schemeClr val="accent1"/>
+          </a:effectRef>
+          <a:fontRef idx="minor">
+            <a:schemeClr val="tx1"/>
+          </a:fontRef>
+        </p:style>
+      </p:cxnSp>
+      <p:cxnSp>
+        <p:nvCxnSpPr>
+          <p:cNvPr id="26" name="Прямая со стрелкой 25"/>
+          <p:cNvCxnSpPr/>
+          <p:nvPr/>
+        </p:nvCxnSpPr>
+        <p:spPr>
+          <a:xfrm>
+            <a:off x="6186966" y="4522985"/>
+            <a:ext cx="0" cy="623604"/>
+          </a:xfrm>
+          <a:prstGeom prst="straightConnector1">
+            <a:avLst/>
+          </a:prstGeom>
+          <a:ln w="28575">
+            <a:solidFill>
+              <a:schemeClr val="tx1"/>
+            </a:solidFill>
+            <a:tailEnd type="triangle"/>
+          </a:ln>
+        </p:spPr>
+        <p:style>
+          <a:lnRef idx="1">
+            <a:schemeClr val="accent1"/>
+          </a:lnRef>
+          <a:fillRef idx="0">
+            <a:schemeClr val="accent1"/>
+          </a:fillRef>
+          <a:effectRef idx="0">
+            <a:schemeClr val="accent1"/>
+          </a:effectRef>
+          <a:fontRef idx="minor">
+            <a:schemeClr val="tx1"/>
+          </a:fontRef>
+        </p:style>
+      </p:cxnSp>
+      <p:cxnSp>
+        <p:nvCxnSpPr>
+          <p:cNvPr id="29" name="Прямая со стрелкой 28"/>
+          <p:cNvCxnSpPr/>
+          <p:nvPr/>
+        </p:nvCxnSpPr>
+        <p:spPr>
+          <a:xfrm>
+            <a:off x="7568863" y="4522985"/>
+            <a:ext cx="0" cy="623604"/>
+          </a:xfrm>
+          <a:prstGeom prst="straightConnector1">
+            <a:avLst/>
+          </a:prstGeom>
+          <a:ln w="28575">
+            <a:solidFill>
+              <a:schemeClr val="tx1"/>
+            </a:solidFill>
+            <a:tailEnd type="triangle"/>
+          </a:ln>
+        </p:spPr>
+        <p:style>
+          <a:lnRef idx="1">
+            <a:schemeClr val="accent1"/>
+          </a:lnRef>
+          <a:fillRef idx="0">
+            <a:schemeClr val="accent1"/>
+          </a:fillRef>
+          <a:effectRef idx="0">
+            <a:schemeClr val="accent1"/>
+          </a:effectRef>
+          <a:fontRef idx="minor">
+            <a:schemeClr val="tx1"/>
+          </a:fontRef>
+        </p:style>
+      </p:cxnSp>
+      <p:cxnSp>
+        <p:nvCxnSpPr>
+          <p:cNvPr id="30" name="Прямая со стрелкой 29"/>
+          <p:cNvCxnSpPr/>
+          <p:nvPr/>
+        </p:nvCxnSpPr>
+        <p:spPr>
+          <a:xfrm>
+            <a:off x="8987831" y="4522985"/>
+            <a:ext cx="0" cy="623604"/>
+          </a:xfrm>
+          <a:prstGeom prst="straightConnector1">
+            <a:avLst/>
+          </a:prstGeom>
+          <a:ln w="28575">
+            <a:solidFill>
+              <a:schemeClr val="tx1"/>
+            </a:solidFill>
+            <a:tailEnd type="triangle"/>
+          </a:ln>
+        </p:spPr>
+        <p:style>
+          <a:lnRef idx="1">
+            <a:schemeClr val="accent1"/>
+          </a:lnRef>
+          <a:fillRef idx="0">
+            <a:schemeClr val="accent1"/>
+          </a:fillRef>
+          <a:effectRef idx="0">
+            <a:schemeClr val="accent1"/>
+          </a:effectRef>
+          <a:fontRef idx="minor">
+            <a:schemeClr val="tx1"/>
+          </a:fontRef>
+        </p:style>
+      </p:cxnSp>
+      <p:cxnSp>
+        <p:nvCxnSpPr>
+          <p:cNvPr id="31" name="Прямая со стрелкой 30"/>
+          <p:cNvCxnSpPr/>
+          <p:nvPr/>
+        </p:nvCxnSpPr>
+        <p:spPr>
+          <a:xfrm>
+            <a:off x="10079344" y="4522985"/>
+            <a:ext cx="0" cy="623604"/>
+          </a:xfrm>
+          <a:prstGeom prst="straightConnector1">
+            <a:avLst/>
+          </a:prstGeom>
+          <a:ln w="28575">
+            <a:solidFill>
+              <a:schemeClr val="tx1"/>
+            </a:solidFill>
+            <a:tailEnd type="triangle"/>
+          </a:ln>
+        </p:spPr>
+        <p:style>
+          <a:lnRef idx="1">
+            <a:schemeClr val="accent1"/>
+          </a:lnRef>
+          <a:fillRef idx="0">
+            <a:schemeClr val="accent1"/>
+          </a:fillRef>
+          <a:effectRef idx="0">
+            <a:schemeClr val="accent1"/>
+          </a:effectRef>
+          <a:fontRef idx="minor">
+            <a:schemeClr val="tx1"/>
+          </a:fontRef>
+        </p:style>
+      </p:cxnSp>
+      <p:sp>
+        <p:nvSpPr>
+          <p:cNvPr id="32" name="Овал 31"/>
+          <p:cNvSpPr/>
+          <p:nvPr/>
+        </p:nvSpPr>
+        <p:spPr>
+          <a:xfrm>
+            <a:off x="7479276" y="3156531"/>
+            <a:ext cx="179173" cy="172994"/>
+          </a:xfrm>
+          <a:prstGeom prst="ellipse">
+            <a:avLst/>
+          </a:prstGeom>
+          <a:solidFill>
+            <a:srgbClr val="CFFF2F"/>
+          </a:solidFill>
+        </p:spPr>
+        <p:style>
+          <a:lnRef idx="2">
+            <a:schemeClr val="accent1">
+              <a:shade val="50000"/>
+            </a:schemeClr>
+          </a:lnRef>
+          <a:fillRef idx="1">
+            <a:schemeClr val="accent1"/>
+          </a:fillRef>
+          <a:effectRef idx="0">
+            <a:schemeClr val="accent1"/>
+          </a:effectRef>
+          <a:fontRef idx="minor">
+            <a:schemeClr val="lt1"/>
+          </a:fontRef>
+        </p:style>
+        <p:txBody>
+          <a:bodyPr rtlCol="0" anchor="ctr"/>
+          <a:lstStyle/>
+          <a:p>
+            <a:pPr algn="ctr"/>
+            <a:endParaRPr lang="ru-RU"/>
+          </a:p>
+        </p:txBody>
+      </p:sp>
+      <p:sp>
+        <p:nvSpPr>
+          <p:cNvPr id="33" name="Овал 32"/>
+          <p:cNvSpPr/>
+          <p:nvPr/>
+        </p:nvSpPr>
+        <p:spPr>
+          <a:xfrm>
+            <a:off x="8566527" y="3728548"/>
+            <a:ext cx="179173" cy="172994"/>
+          </a:xfrm>
+          <a:prstGeom prst="ellipse">
+            <a:avLst/>
+          </a:prstGeom>
+          <a:solidFill>
+            <a:srgbClr val="FF4E00"/>
+          </a:solidFill>
+        </p:spPr>
+        <p:style>
+          <a:lnRef idx="2">
+            <a:schemeClr val="accent1">
+              <a:shade val="50000"/>
+            </a:schemeClr>
+          </a:lnRef>
+          <a:fillRef idx="1">
+            <a:schemeClr val="accent1"/>
+          </a:fillRef>
+          <a:effectRef idx="0">
+            <a:schemeClr val="accent1"/>
+          </a:effectRef>
+          <a:fontRef idx="minor">
+            <a:schemeClr val="lt1"/>
+          </a:fontRef>
+        </p:style>
+        <p:txBody>
+          <a:bodyPr rtlCol="0" anchor="ctr"/>
+          <a:lstStyle/>
+          <a:p>
+            <a:pPr algn="ctr"/>
+            <a:endParaRPr lang="ru-RU"/>
+          </a:p>
+        </p:txBody>
+      </p:sp>
+      <p:sp>
+        <p:nvSpPr>
+          <p:cNvPr id="34" name="Овал 33"/>
+          <p:cNvSpPr/>
+          <p:nvPr/>
+        </p:nvSpPr>
+        <p:spPr>
+          <a:xfrm>
+            <a:off x="9740419" y="3232223"/>
+            <a:ext cx="179173" cy="172994"/>
+          </a:xfrm>
+          <a:prstGeom prst="ellipse">
+            <a:avLst/>
+          </a:prstGeom>
+          <a:solidFill>
+            <a:srgbClr val="A10002"/>
+          </a:solidFill>
+        </p:spPr>
+        <p:style>
+          <a:lnRef idx="2">
+            <a:schemeClr val="accent1">
+              <a:shade val="50000"/>
+            </a:schemeClr>
+          </a:lnRef>
+          <a:fillRef idx="1">
+            <a:schemeClr val="accent1"/>
+          </a:fillRef>
+          <a:effectRef idx="0">
+            <a:schemeClr val="accent1"/>
+          </a:effectRef>
+          <a:fontRef idx="minor">
+            <a:schemeClr val="lt1"/>
+          </a:fontRef>
+        </p:style>
+        <p:txBody>
+          <a:bodyPr rtlCol="0" anchor="ctr"/>
+          <a:lstStyle/>
+          <a:p>
+            <a:pPr algn="ctr"/>
+            <a:endParaRPr lang="ru-RU"/>
+          </a:p>
+        </p:txBody>
+      </p:sp>
+      <p:cxnSp>
+        <p:nvCxnSpPr>
+          <p:cNvPr id="35" name="Прямая со стрелкой 34"/>
+          <p:cNvCxnSpPr/>
+          <p:nvPr/>
+        </p:nvCxnSpPr>
+        <p:spPr>
+          <a:xfrm flipH="1">
+            <a:off x="7568862" y="3321961"/>
+            <a:ext cx="3547" cy="829497"/>
+          </a:xfrm>
+          <a:prstGeom prst="straightConnector1">
+            <a:avLst/>
+          </a:prstGeom>
+          <a:ln w="28575">
+            <a:solidFill>
+              <a:schemeClr val="tx1"/>
+            </a:solidFill>
+            <a:tailEnd type="triangle"/>
+          </a:ln>
+        </p:spPr>
+        <p:style>
+          <a:lnRef idx="1">
+            <a:schemeClr val="accent1"/>
+          </a:lnRef>
+          <a:fillRef idx="0">
+            <a:schemeClr val="accent1"/>
+          </a:fillRef>
+          <a:effectRef idx="0">
+            <a:schemeClr val="accent1"/>
+          </a:effectRef>
+          <a:fontRef idx="minor">
+            <a:schemeClr val="tx1"/>
+          </a:fontRef>
+        </p:style>
+      </p:cxnSp>
+      <p:cxnSp>
+        <p:nvCxnSpPr>
+          <p:cNvPr id="37" name="Прямая со стрелкой 36"/>
+          <p:cNvCxnSpPr>
+            <a:stCxn id="33" idx="5"/>
+          </p:cNvCxnSpPr>
+          <p:nvPr/>
+        </p:nvCxnSpPr>
+        <p:spPr>
+          <a:xfrm>
+            <a:off x="8719461" y="3876208"/>
+            <a:ext cx="268370" cy="275250"/>
+          </a:xfrm>
+          <a:prstGeom prst="straightConnector1">
+            <a:avLst/>
+          </a:prstGeom>
+          <a:ln w="28575">
+            <a:solidFill>
+              <a:schemeClr val="tx1"/>
+            </a:solidFill>
+            <a:tailEnd type="triangle"/>
+          </a:ln>
+        </p:spPr>
+        <p:style>
+          <a:lnRef idx="1">
+            <a:schemeClr val="accent1"/>
+          </a:lnRef>
+          <a:fillRef idx="0">
+            <a:schemeClr val="accent1"/>
+          </a:fillRef>
+          <a:effectRef idx="0">
+            <a:schemeClr val="accent1"/>
+          </a:effectRef>
+          <a:fontRef idx="minor">
+            <a:schemeClr val="tx1"/>
+          </a:fontRef>
+        </p:style>
+      </p:cxnSp>
+      <p:cxnSp>
+        <p:nvCxnSpPr>
+          <p:cNvPr id="40" name="Прямая со стрелкой 39"/>
+          <p:cNvCxnSpPr/>
+          <p:nvPr/>
+        </p:nvCxnSpPr>
+        <p:spPr>
+          <a:xfrm>
+            <a:off x="9844628" y="3405217"/>
+            <a:ext cx="234716" cy="746241"/>
+          </a:xfrm>
+          <a:prstGeom prst="straightConnector1">
+            <a:avLst/>
+          </a:prstGeom>
+          <a:ln w="28575">
+            <a:solidFill>
+              <a:schemeClr val="tx1"/>
+            </a:solidFill>
+            <a:tailEnd type="triangle"/>
+          </a:ln>
+        </p:spPr>
+        <p:style>
+          <a:lnRef idx="1">
+            <a:schemeClr val="accent1"/>
+          </a:lnRef>
+          <a:fillRef idx="0">
+            <a:schemeClr val="accent1"/>
+          </a:fillRef>
+          <a:effectRef idx="0">
+            <a:schemeClr val="accent1"/>
+          </a:effectRef>
+          <a:fontRef idx="minor">
+            <a:schemeClr val="tx1"/>
+          </a:fontRef>
+        </p:style>
+      </p:cxnSp>
+      <p:sp>
+        <p:nvSpPr>
+          <p:cNvPr id="50" name="TextBox 49"/>
+          <p:cNvSpPr txBox="1"/>
+          <p:nvPr/>
+        </p:nvSpPr>
+        <p:spPr>
+          <a:xfrm>
+            <a:off x="5740741" y="5456792"/>
+            <a:ext cx="3015048" cy="461665"/>
+          </a:xfrm>
+          <a:prstGeom prst="rect">
+            <a:avLst/>
+          </a:prstGeom>
+          <a:noFill/>
+        </p:spPr>
+        <p:txBody>
+          <a:bodyPr wrap="square" rtlCol="0">
+            <a:spAutoFit/>
+          </a:bodyPr>
+          <a:lstStyle/>
+          <a:p>
+            <a:r>
+              <a:rPr lang="ru-RU" sz="2400" dirty="0" smtClean="0">
+                <a:latin typeface="Times New Roman" panose="02020603050405020304" pitchFamily="18" charset="0"/>
+                <a:cs typeface="Times New Roman" panose="02020603050405020304" pitchFamily="18" charset="0"/>
+              </a:rPr>
+              <a:t>Обучающая выборка</a:t>
+            </a:r>
+            <a:endParaRPr lang="ru-RU" sz="2400" dirty="0">
+              <a:latin typeface="Times New Roman" panose="02020603050405020304" pitchFamily="18" charset="0"/>
+              <a:cs typeface="Times New Roman" panose="02020603050405020304" pitchFamily="18" charset="0"/>
+            </a:endParaRPr>
+          </a:p>
+        </p:txBody>
+      </p:sp>
+      <p:sp>
+        <p:nvSpPr>
+          <p:cNvPr id="51" name="TextBox 50"/>
+          <p:cNvSpPr txBox="1"/>
+          <p:nvPr/>
+        </p:nvSpPr>
+        <p:spPr>
+          <a:xfrm>
+            <a:off x="5396197" y="2532714"/>
+            <a:ext cx="3704136" cy="461665"/>
+          </a:xfrm>
+          <a:prstGeom prst="rect">
+            <a:avLst/>
+          </a:prstGeom>
+          <a:noFill/>
+        </p:spPr>
+        <p:txBody>
+          <a:bodyPr wrap="square" rtlCol="0">
+            <a:spAutoFit/>
+          </a:bodyPr>
+          <a:lstStyle/>
+          <a:p>
+            <a:r>
+              <a:rPr lang="ru-RU" sz="2400" dirty="0" smtClean="0">
+                <a:latin typeface="Times New Roman" panose="02020603050405020304" pitchFamily="18" charset="0"/>
+                <a:cs typeface="Times New Roman" panose="02020603050405020304" pitchFamily="18" charset="0"/>
+              </a:rPr>
+              <a:t>Классифицируемые цвета</a:t>
+            </a:r>
+            <a:endParaRPr lang="ru-RU" sz="2400" dirty="0">
+              <a:latin typeface="Times New Roman" panose="02020603050405020304" pitchFamily="18" charset="0"/>
+              <a:cs typeface="Times New Roman" panose="02020603050405020304" pitchFamily="18" charset="0"/>
+            </a:endParaRPr>
+          </a:p>
+        </p:txBody>
+      </p:sp>
+    </p:spTree>
+    <p:extLst>
+      <p:ext uri="{BB962C8B-B14F-4D97-AF65-F5344CB8AC3E}">
+        <p14:creationId xmlns:p14="http://schemas.microsoft.com/office/powerpoint/2010/main" val="1384117633"/>
       </p:ext>
     </p:extLst>
   </p:cSld>

--- a/процентовка 1/схемы.pptx
+++ b/процентовка 1/схемы.pptx
@@ -248,7 +248,7 @@
           <a:p>
             <a:fld id="{925D05A6-F90F-4F92-A959-9B9C4AF8A648}" type="datetimeFigureOut">
               <a:rPr lang="ru-RU" smtClean="0"/>
-              <a:t>30.05.2023</a:t>
+              <a:t>19.06.2023</a:t>
             </a:fld>
             <a:endParaRPr lang="ru-RU"/>
           </a:p>
@@ -418,7 +418,7 @@
           <a:p>
             <a:fld id="{925D05A6-F90F-4F92-A959-9B9C4AF8A648}" type="datetimeFigureOut">
               <a:rPr lang="ru-RU" smtClean="0"/>
-              <a:t>30.05.2023</a:t>
+              <a:t>19.06.2023</a:t>
             </a:fld>
             <a:endParaRPr lang="ru-RU"/>
           </a:p>
@@ -598,7 +598,7 @@
           <a:p>
             <a:fld id="{925D05A6-F90F-4F92-A959-9B9C4AF8A648}" type="datetimeFigureOut">
               <a:rPr lang="ru-RU" smtClean="0"/>
-              <a:t>30.05.2023</a:t>
+              <a:t>19.06.2023</a:t>
             </a:fld>
             <a:endParaRPr lang="ru-RU"/>
           </a:p>
@@ -768,7 +768,7 @@
           <a:p>
             <a:fld id="{925D05A6-F90F-4F92-A959-9B9C4AF8A648}" type="datetimeFigureOut">
               <a:rPr lang="ru-RU" smtClean="0"/>
-              <a:t>30.05.2023</a:t>
+              <a:t>19.06.2023</a:t>
             </a:fld>
             <a:endParaRPr lang="ru-RU"/>
           </a:p>
@@ -1014,7 +1014,7 @@
           <a:p>
             <a:fld id="{925D05A6-F90F-4F92-A959-9B9C4AF8A648}" type="datetimeFigureOut">
               <a:rPr lang="ru-RU" smtClean="0"/>
-              <a:t>30.05.2023</a:t>
+              <a:t>19.06.2023</a:t>
             </a:fld>
             <a:endParaRPr lang="ru-RU"/>
           </a:p>
@@ -1246,7 +1246,7 @@
           <a:p>
             <a:fld id="{925D05A6-F90F-4F92-A959-9B9C4AF8A648}" type="datetimeFigureOut">
               <a:rPr lang="ru-RU" smtClean="0"/>
-              <a:t>30.05.2023</a:t>
+              <a:t>19.06.2023</a:t>
             </a:fld>
             <a:endParaRPr lang="ru-RU"/>
           </a:p>
@@ -1613,7 +1613,7 @@
           <a:p>
             <a:fld id="{925D05A6-F90F-4F92-A959-9B9C4AF8A648}" type="datetimeFigureOut">
               <a:rPr lang="ru-RU" smtClean="0"/>
-              <a:t>30.05.2023</a:t>
+              <a:t>19.06.2023</a:t>
             </a:fld>
             <a:endParaRPr lang="ru-RU"/>
           </a:p>
@@ -1731,7 +1731,7 @@
           <a:p>
             <a:fld id="{925D05A6-F90F-4F92-A959-9B9C4AF8A648}" type="datetimeFigureOut">
               <a:rPr lang="ru-RU" smtClean="0"/>
-              <a:t>30.05.2023</a:t>
+              <a:t>19.06.2023</a:t>
             </a:fld>
             <a:endParaRPr lang="ru-RU"/>
           </a:p>
@@ -1826,7 +1826,7 @@
           <a:p>
             <a:fld id="{925D05A6-F90F-4F92-A959-9B9C4AF8A648}" type="datetimeFigureOut">
               <a:rPr lang="ru-RU" smtClean="0"/>
-              <a:t>30.05.2023</a:t>
+              <a:t>19.06.2023</a:t>
             </a:fld>
             <a:endParaRPr lang="ru-RU"/>
           </a:p>
@@ -2103,7 +2103,7 @@
           <a:p>
             <a:fld id="{925D05A6-F90F-4F92-A959-9B9C4AF8A648}" type="datetimeFigureOut">
               <a:rPr lang="ru-RU" smtClean="0"/>
-              <a:t>30.05.2023</a:t>
+              <a:t>19.06.2023</a:t>
             </a:fld>
             <a:endParaRPr lang="ru-RU"/>
           </a:p>
@@ -2356,7 +2356,7 @@
           <a:p>
             <a:fld id="{925D05A6-F90F-4F92-A959-9B9C4AF8A648}" type="datetimeFigureOut">
               <a:rPr lang="ru-RU" smtClean="0"/>
-              <a:t>30.05.2023</a:t>
+              <a:t>19.06.2023</a:t>
             </a:fld>
             <a:endParaRPr lang="ru-RU"/>
           </a:p>
@@ -2569,7 +2569,7 @@
           <a:p>
             <a:fld id="{925D05A6-F90F-4F92-A959-9B9C4AF8A648}" type="datetimeFigureOut">
               <a:rPr lang="ru-RU" smtClean="0"/>
-              <a:t>30.05.2023</a:t>
+              <a:t>19.06.2023</a:t>
             </a:fld>
             <a:endParaRPr lang="ru-RU"/>
           </a:p>
@@ -3626,7 +3626,7 @@
             <a:avLst/>
           </a:prstGeom>
           <a:solidFill>
-            <a:srgbClr val="F47CDA"/>
+            <a:srgbClr val="DCB4E0"/>
           </a:solidFill>
         </p:spPr>
         <p:style>
@@ -5014,13 +5014,6 @@
               </a:rPr>
               <a:t>Подготовка данных</a:t>
             </a:r>
-            <a:endParaRPr lang="ru-RU" sz="2400" dirty="0" smtClean="0">
-              <a:solidFill>
-                <a:schemeClr val="tx1"/>
-              </a:solidFill>
-              <a:latin typeface="Times New Roman" panose="02020603050405020304" pitchFamily="18" charset="0"/>
-              <a:cs typeface="Times New Roman" panose="02020603050405020304" pitchFamily="18" charset="0"/>
-            </a:endParaRPr>
           </a:p>
         </p:txBody>
       </p:sp>
